--- a/images-wiki/Billeder_samlet_i_powerpoint.pptx
+++ b/images-wiki/Billeder_samlet_i_powerpoint.pptx
@@ -18,6 +18,7 @@
     <p:sldId id="265" r:id="rId12"/>
     <p:sldId id="268" r:id="rId13"/>
     <p:sldId id="266" r:id="rId14"/>
+    <p:sldId id="269" r:id="rId15"/>
   </p:sldIdLst>
   <p:sldSz cx="12192000" cy="6858000"/>
   <p:notesSz cx="6858000" cy="9144000"/>
@@ -4413,6 +4414,349 @@
 </p:sld>
 </file>
 
+<file path=ppt/slides/slide14.xml><?xml version="1.0" encoding="utf-8"?>
+<p:sld xmlns:a="http://schemas.openxmlformats.org/drawingml/2006/main" xmlns:r="http://schemas.openxmlformats.org/officeDocument/2006/relationships" xmlns:p="http://schemas.openxmlformats.org/presentationml/2006/main">
+  <p:cSld>
+    <p:spTree>
+      <p:nvGrpSpPr>
+        <p:cNvPr id="1" name=""/>
+        <p:cNvGrpSpPr/>
+        <p:nvPr/>
+      </p:nvGrpSpPr>
+      <p:grpSpPr>
+        <a:xfrm>
+          <a:off x="0" y="0"/>
+          <a:ext cx="0" cy="0"/>
+          <a:chOff x="0" y="0"/>
+          <a:chExt cx="0" cy="0"/>
+        </a:xfrm>
+      </p:grpSpPr>
+      <p:pic>
+        <p:nvPicPr>
+          <p:cNvPr id="5" name="Picture 4">
+            <a:extLst>
+              <a:ext uri="{FF2B5EF4-FFF2-40B4-BE49-F238E27FC236}">
+                <a16:creationId xmlns:a16="http://schemas.microsoft.com/office/drawing/2014/main" id="{CCB4220A-1972-4EEE-A6AB-362F7FBA4645}"/>
+              </a:ext>
+            </a:extLst>
+          </p:cNvPr>
+          <p:cNvPicPr>
+            <a:picLocks noChangeAspect="1"/>
+          </p:cNvPicPr>
+          <p:nvPr/>
+        </p:nvPicPr>
+        <p:blipFill rotWithShape="1">
+          <a:blip r:embed="rId2"/>
+          <a:srcRect r="27296"/>
+          <a:stretch/>
+        </p:blipFill>
+        <p:spPr>
+          <a:xfrm>
+            <a:off x="1866123" y="508016"/>
+            <a:ext cx="8864082" cy="5506065"/>
+          </a:xfrm>
+          <a:prstGeom prst="rect">
+            <a:avLst/>
+          </a:prstGeom>
+        </p:spPr>
+      </p:pic>
+      <p:sp>
+        <p:nvSpPr>
+          <p:cNvPr id="6" name="TextBox 5">
+            <a:extLst>
+              <a:ext uri="{FF2B5EF4-FFF2-40B4-BE49-F238E27FC236}">
+                <a16:creationId xmlns:a16="http://schemas.microsoft.com/office/drawing/2014/main" id="{96776777-183C-4BFD-B4E6-F1C8D87E9DF5}"/>
+              </a:ext>
+            </a:extLst>
+          </p:cNvPr>
+          <p:cNvSpPr txBox="1"/>
+          <p:nvPr/>
+        </p:nvSpPr>
+        <p:spPr>
+          <a:xfrm>
+            <a:off x="1701149" y="81534"/>
+            <a:ext cx="3731704" cy="369332"/>
+          </a:xfrm>
+          <a:prstGeom prst="rect">
+            <a:avLst/>
+          </a:prstGeom>
+          <a:noFill/>
+        </p:spPr>
+        <p:txBody>
+          <a:bodyPr wrap="square" rtlCol="0">
+            <a:spAutoFit/>
+          </a:bodyPr>
+          <a:lstStyle/>
+          <a:p>
+            <a:r>
+              <a:rPr lang="da-DK" dirty="0"/>
+              <a:t>Billede 14</a:t>
+            </a:r>
+          </a:p>
+        </p:txBody>
+      </p:sp>
+      <p:sp>
+        <p:nvSpPr>
+          <p:cNvPr id="7" name="Rectangle 6">
+            <a:extLst>
+              <a:ext uri="{FF2B5EF4-FFF2-40B4-BE49-F238E27FC236}">
+                <a16:creationId xmlns:a16="http://schemas.microsoft.com/office/drawing/2014/main" id="{96EF3C71-A794-4C45-9C05-C02B8C78502F}"/>
+              </a:ext>
+            </a:extLst>
+          </p:cNvPr>
+          <p:cNvSpPr/>
+          <p:nvPr/>
+        </p:nvSpPr>
+        <p:spPr>
+          <a:xfrm>
+            <a:off x="2917937" y="663029"/>
+            <a:ext cx="1558813" cy="161840"/>
+          </a:xfrm>
+          <a:prstGeom prst="rect">
+            <a:avLst/>
+          </a:prstGeom>
+          <a:solidFill>
+            <a:srgbClr val="FFFF00">
+              <a:alpha val="34902"/>
+            </a:srgbClr>
+          </a:solidFill>
+          <a:ln w="38100">
+            <a:noFill/>
+          </a:ln>
+        </p:spPr>
+        <p:style>
+          <a:lnRef idx="2">
+            <a:schemeClr val="accent1">
+              <a:shade val="50000"/>
+            </a:schemeClr>
+          </a:lnRef>
+          <a:fillRef idx="1">
+            <a:schemeClr val="accent1"/>
+          </a:fillRef>
+          <a:effectRef idx="0">
+            <a:schemeClr val="accent1"/>
+          </a:effectRef>
+          <a:fontRef idx="minor">
+            <a:schemeClr val="lt1"/>
+          </a:fontRef>
+        </p:style>
+        <p:txBody>
+          <a:bodyPr rtlCol="0" anchor="ctr"/>
+          <a:lstStyle/>
+          <a:p>
+            <a:pPr algn="ctr"/>
+            <a:endParaRPr lang="da-DK" dirty="0"/>
+          </a:p>
+        </p:txBody>
+      </p:sp>
+      <p:sp>
+        <p:nvSpPr>
+          <p:cNvPr id="8" name="TextBox 7">
+            <a:extLst>
+              <a:ext uri="{FF2B5EF4-FFF2-40B4-BE49-F238E27FC236}">
+                <a16:creationId xmlns:a16="http://schemas.microsoft.com/office/drawing/2014/main" id="{C1A41EF2-4DE8-46FE-8738-1BD18073A0BB}"/>
+              </a:ext>
+            </a:extLst>
+          </p:cNvPr>
+          <p:cNvSpPr txBox="1"/>
+          <p:nvPr/>
+        </p:nvSpPr>
+        <p:spPr>
+          <a:xfrm>
+            <a:off x="3278647" y="574672"/>
+            <a:ext cx="987552" cy="338554"/>
+          </a:xfrm>
+          <a:prstGeom prst="rect">
+            <a:avLst/>
+          </a:prstGeom>
+          <a:noFill/>
+        </p:spPr>
+        <p:txBody>
+          <a:bodyPr wrap="square" rtlCol="0">
+            <a:spAutoFit/>
+          </a:bodyPr>
+          <a:lstStyle/>
+          <a:p>
+            <a:r>
+              <a:rPr lang="da-DK" sz="1600" b="1" dirty="0">
+                <a:solidFill>
+                  <a:srgbClr val="FF0000"/>
+                </a:solidFill>
+              </a:rPr>
+              <a:t>1b</a:t>
+            </a:r>
+          </a:p>
+        </p:txBody>
+      </p:sp>
+      <p:sp>
+        <p:nvSpPr>
+          <p:cNvPr id="9" name="TextBox 8">
+            <a:extLst>
+              <a:ext uri="{FF2B5EF4-FFF2-40B4-BE49-F238E27FC236}">
+                <a16:creationId xmlns:a16="http://schemas.microsoft.com/office/drawing/2014/main" id="{36209443-8666-44EB-9049-EAEF119F85CC}"/>
+              </a:ext>
+            </a:extLst>
+          </p:cNvPr>
+          <p:cNvSpPr txBox="1"/>
+          <p:nvPr/>
+        </p:nvSpPr>
+        <p:spPr>
+          <a:xfrm>
+            <a:off x="3611391" y="2241820"/>
+            <a:ext cx="987552" cy="338554"/>
+          </a:xfrm>
+          <a:prstGeom prst="rect">
+            <a:avLst/>
+          </a:prstGeom>
+          <a:noFill/>
+        </p:spPr>
+        <p:txBody>
+          <a:bodyPr wrap="square" rtlCol="0">
+            <a:spAutoFit/>
+          </a:bodyPr>
+          <a:lstStyle/>
+          <a:p>
+            <a:r>
+              <a:rPr lang="da-DK" sz="1600" b="1" dirty="0">
+                <a:solidFill>
+                  <a:srgbClr val="FF0000"/>
+                </a:solidFill>
+              </a:rPr>
+              <a:t>1a</a:t>
+            </a:r>
+          </a:p>
+        </p:txBody>
+      </p:sp>
+      <p:sp>
+        <p:nvSpPr>
+          <p:cNvPr id="10" name="TextBox 9">
+            <a:extLst>
+              <a:ext uri="{FF2B5EF4-FFF2-40B4-BE49-F238E27FC236}">
+                <a16:creationId xmlns:a16="http://schemas.microsoft.com/office/drawing/2014/main" id="{E1F49F4F-C25E-4BD5-8949-DC7E6770E259}"/>
+              </a:ext>
+            </a:extLst>
+          </p:cNvPr>
+          <p:cNvSpPr txBox="1"/>
+          <p:nvPr/>
+        </p:nvSpPr>
+        <p:spPr>
+          <a:xfrm>
+            <a:off x="2618571" y="778481"/>
+            <a:ext cx="987552" cy="338554"/>
+          </a:xfrm>
+          <a:prstGeom prst="rect">
+            <a:avLst/>
+          </a:prstGeom>
+          <a:noFill/>
+        </p:spPr>
+        <p:txBody>
+          <a:bodyPr wrap="square" rtlCol="0">
+            <a:spAutoFit/>
+          </a:bodyPr>
+          <a:lstStyle/>
+          <a:p>
+            <a:r>
+              <a:rPr lang="da-DK" sz="1600" b="1" dirty="0">
+                <a:solidFill>
+                  <a:srgbClr val="FF0000"/>
+                </a:solidFill>
+              </a:rPr>
+              <a:t>2a</a:t>
+            </a:r>
+          </a:p>
+        </p:txBody>
+      </p:sp>
+      <p:sp>
+        <p:nvSpPr>
+          <p:cNvPr id="11" name="TextBox 10">
+            <a:extLst>
+              <a:ext uri="{FF2B5EF4-FFF2-40B4-BE49-F238E27FC236}">
+                <a16:creationId xmlns:a16="http://schemas.microsoft.com/office/drawing/2014/main" id="{72854D22-6FC4-4DDB-BC35-6C2F9DA588E1}"/>
+              </a:ext>
+            </a:extLst>
+          </p:cNvPr>
+          <p:cNvSpPr txBox="1"/>
+          <p:nvPr/>
+        </p:nvSpPr>
+        <p:spPr>
+          <a:xfrm>
+            <a:off x="3073225" y="2122248"/>
+            <a:ext cx="987552" cy="338554"/>
+          </a:xfrm>
+          <a:prstGeom prst="rect">
+            <a:avLst/>
+          </a:prstGeom>
+          <a:noFill/>
+        </p:spPr>
+        <p:txBody>
+          <a:bodyPr wrap="square" rtlCol="0">
+            <a:spAutoFit/>
+          </a:bodyPr>
+          <a:lstStyle/>
+          <a:p>
+            <a:r>
+              <a:rPr lang="da-DK" sz="1600" b="1" dirty="0">
+                <a:solidFill>
+                  <a:srgbClr val="FF0000"/>
+                </a:solidFill>
+              </a:rPr>
+              <a:t>2b</a:t>
+            </a:r>
+          </a:p>
+        </p:txBody>
+      </p:sp>
+      <p:sp>
+        <p:nvSpPr>
+          <p:cNvPr id="12" name="TextBox 11">
+            <a:extLst>
+              <a:ext uri="{FF2B5EF4-FFF2-40B4-BE49-F238E27FC236}">
+                <a16:creationId xmlns:a16="http://schemas.microsoft.com/office/drawing/2014/main" id="{E43E96F4-A085-4E9D-A822-5CF5E98C1BCA}"/>
+              </a:ext>
+            </a:extLst>
+          </p:cNvPr>
+          <p:cNvSpPr txBox="1"/>
+          <p:nvPr/>
+        </p:nvSpPr>
+        <p:spPr>
+          <a:xfrm>
+            <a:off x="3073225" y="1044716"/>
+            <a:ext cx="987552" cy="338554"/>
+          </a:xfrm>
+          <a:prstGeom prst="rect">
+            <a:avLst/>
+          </a:prstGeom>
+          <a:noFill/>
+        </p:spPr>
+        <p:txBody>
+          <a:bodyPr wrap="square" rtlCol="0">
+            <a:spAutoFit/>
+          </a:bodyPr>
+          <a:lstStyle/>
+          <a:p>
+            <a:r>
+              <a:rPr lang="da-DK" sz="1600" b="1" dirty="0">
+                <a:solidFill>
+                  <a:srgbClr val="FF0000"/>
+                </a:solidFill>
+              </a:rPr>
+              <a:t>2b</a:t>
+            </a:r>
+          </a:p>
+        </p:txBody>
+      </p:sp>
+    </p:spTree>
+    <p:extLst>
+      <p:ext uri="{BB962C8B-B14F-4D97-AF65-F5344CB8AC3E}">
+        <p14:creationId xmlns:p14="http://schemas.microsoft.com/office/powerpoint/2010/main" val="4204310318"/>
+      </p:ext>
+    </p:extLst>
+  </p:cSld>
+  <p:clrMapOvr>
+    <a:masterClrMapping/>
+  </p:clrMapOvr>
+</p:sld>
+</file>
+
 <file path=ppt/slides/slide2.xml><?xml version="1.0" encoding="utf-8"?>
 <p:sld xmlns:a="http://schemas.openxmlformats.org/drawingml/2006/main" xmlns:r="http://schemas.openxmlformats.org/officeDocument/2006/relationships" xmlns:p="http://schemas.openxmlformats.org/presentationml/2006/main">
   <p:cSld>
